--- a/slides/ArrayLists.pptx
+++ b/slides/ArrayLists.pptx
@@ -5,7 +5,7 @@
     <p:sldMasterId id="2147483648" r:id="rId1"/>
   </p:sldMasterIdLst>
   <p:notesMasterIdLst>
-    <p:notesMasterId r:id="rId19"/>
+    <p:notesMasterId r:id="rId18"/>
   </p:notesMasterIdLst>
   <p:sldIdLst>
     <p:sldId id="256" r:id="rId2"/>
@@ -13,18 +13,17 @@
     <p:sldId id="317" r:id="rId4"/>
     <p:sldId id="304" r:id="rId5"/>
     <p:sldId id="259" r:id="rId6"/>
-    <p:sldId id="260" r:id="rId7"/>
-    <p:sldId id="308" r:id="rId8"/>
-    <p:sldId id="309" r:id="rId9"/>
-    <p:sldId id="310" r:id="rId10"/>
-    <p:sldId id="311" r:id="rId11"/>
-    <p:sldId id="313" r:id="rId12"/>
-    <p:sldId id="280" r:id="rId13"/>
-    <p:sldId id="263" r:id="rId14"/>
-    <p:sldId id="312" r:id="rId15"/>
-    <p:sldId id="314" r:id="rId16"/>
-    <p:sldId id="315" r:id="rId17"/>
-    <p:sldId id="316" r:id="rId18"/>
+    <p:sldId id="308" r:id="rId7"/>
+    <p:sldId id="309" r:id="rId8"/>
+    <p:sldId id="310" r:id="rId9"/>
+    <p:sldId id="311" r:id="rId10"/>
+    <p:sldId id="313" r:id="rId11"/>
+    <p:sldId id="280" r:id="rId12"/>
+    <p:sldId id="263" r:id="rId13"/>
+    <p:sldId id="312" r:id="rId14"/>
+    <p:sldId id="314" r:id="rId15"/>
+    <p:sldId id="315" r:id="rId16"/>
+    <p:sldId id="316" r:id="rId17"/>
   </p:sldIdLst>
   <p:sldSz cx="9144000" cy="6858000" type="screen4x3"/>
   <p:notesSz cx="6858000" cy="9144000"/>
@@ -224,7 +223,7 @@
           <a:p>
             <a:fld id="{F1088F15-B677-844B-8A00-EA74D671531E}" type="datetimeFigureOut">
               <a:rPr lang="en-US" smtClean="0"/>
-              <a:t>7/10/17</a:t>
+              <a:t>7/2/18</a:t>
             </a:fld>
             <a:endParaRPr lang="en-US"/>
           </a:p>
@@ -549,14 +548,14 @@
               <ma14:placeholderFlag xmlns:ma14="http://schemas.microsoft.com/office/mac/drawingml/2011/main" val="1"/>
             </a:ext>
             <a:ext uri="{909E8E84-426E-40dd-AFC4-6F175D3DCCD1}">
-              <a14:hiddenFill xmlns="" xmlns:a14="http://schemas.microsoft.com/office/drawing/2010/main">
+              <a14:hiddenFill xmlns:a14="http://schemas.microsoft.com/office/drawing/2010/main" xmlns="">
                 <a:solidFill>
                   <a:srgbClr val="FFFFFF"/>
                 </a:solidFill>
               </a14:hiddenFill>
             </a:ext>
             <a:ext uri="{91240B29-F687-4f45-9708-019B960494DF}">
-              <a14:hiddenLine xmlns="" xmlns:a14="http://schemas.microsoft.com/office/drawing/2010/main" w="9525">
+              <a14:hiddenLine xmlns:a14="http://schemas.microsoft.com/office/drawing/2010/main" xmlns="" w="9525">
                 <a:solidFill>
                   <a:srgbClr val="000000"/>
                 </a:solidFill>
@@ -642,14 +641,14 @@
               <ma14:placeholderFlag xmlns:ma14="http://schemas.microsoft.com/office/mac/drawingml/2011/main" val="1"/>
             </a:ext>
             <a:ext uri="{909E8E84-426E-40dd-AFC4-6F175D3DCCD1}">
-              <a14:hiddenFill xmlns="" xmlns:a14="http://schemas.microsoft.com/office/drawing/2010/main">
+              <a14:hiddenFill xmlns:a14="http://schemas.microsoft.com/office/drawing/2010/main" xmlns="">
                 <a:solidFill>
                   <a:srgbClr val="FFFFFF"/>
                 </a:solidFill>
               </a14:hiddenFill>
             </a:ext>
             <a:ext uri="{91240B29-F687-4f45-9708-019B960494DF}">
-              <a14:hiddenLine xmlns="" xmlns:a14="http://schemas.microsoft.com/office/drawing/2010/main" w="9525">
+              <a14:hiddenLine xmlns:a14="http://schemas.microsoft.com/office/drawing/2010/main" xmlns="" w="9525">
                 <a:solidFill>
                   <a:srgbClr val="000000"/>
                 </a:solidFill>
@@ -673,7 +672,7 @@
     </p:spTree>
     <p:extLst>
       <p:ext uri="{BB962C8B-B14F-4D97-AF65-F5344CB8AC3E}">
-        <p14:creationId xmlns:p14="http://schemas.microsoft.com/office/powerpoint/2010/main" val="311083356"/>
+        <p14:creationId xmlns:p14="http://schemas.microsoft.com/office/powerpoint/2010/main" val="576791214"/>
       </p:ext>
     </p:extLst>
   </p:cSld>
@@ -740,112 +739,14 @@
               <ma14:placeholderFlag xmlns:ma14="http://schemas.microsoft.com/office/mac/drawingml/2011/main" val="1"/>
             </a:ext>
             <a:ext uri="{909E8E84-426E-40dd-AFC4-6F175D3DCCD1}">
-              <a14:hiddenFill xmlns="" xmlns:a14="http://schemas.microsoft.com/office/drawing/2010/main">
+              <a14:hiddenFill xmlns:a14="http://schemas.microsoft.com/office/drawing/2010/main" xmlns="">
                 <a:solidFill>
                   <a:srgbClr val="FFFFFF"/>
                 </a:solidFill>
               </a14:hiddenFill>
             </a:ext>
             <a:ext uri="{91240B29-F687-4f45-9708-019B960494DF}">
-              <a14:hiddenLine xmlns="" xmlns:a14="http://schemas.microsoft.com/office/drawing/2010/main" w="9525">
-                <a:solidFill>
-                  <a:srgbClr val="000000"/>
-                </a:solidFill>
-                <a:miter lim="800000"/>
-                <a:headEnd/>
-                <a:tailEnd/>
-              </a14:hiddenLine>
-            </a:ext>
-          </a:extLst>
-        </p:spPr>
-        <p:txBody>
-          <a:bodyPr/>
-          <a:lstStyle/>
-          <a:p>
-            <a:endParaRPr lang="en-US">
-              <a:latin typeface="Times New Roman" charset="0"/>
-            </a:endParaRPr>
-          </a:p>
-        </p:txBody>
-      </p:sp>
-    </p:spTree>
-    <p:extLst>
-      <p:ext uri="{BB962C8B-B14F-4D97-AF65-F5344CB8AC3E}">
-        <p14:creationId xmlns:p14="http://schemas.microsoft.com/office/powerpoint/2010/main" val="576791214"/>
-      </p:ext>
-    </p:extLst>
-  </p:cSld>
-  <p:clrMapOvr>
-    <a:masterClrMapping/>
-  </p:clrMapOvr>
-</p:notes>
-</file>
-
-<file path=ppt/notesSlides/notesSlide12.xml><?xml version="1.0" encoding="utf-8"?>
-<p:notes xmlns:a="http://schemas.openxmlformats.org/drawingml/2006/main" xmlns:r="http://schemas.openxmlformats.org/officeDocument/2006/relationships" xmlns:p="http://schemas.openxmlformats.org/presentationml/2006/main">
-  <p:cSld>
-    <p:spTree>
-      <p:nvGrpSpPr>
-        <p:cNvPr id="1" name=""/>
-        <p:cNvGrpSpPr/>
-        <p:nvPr/>
-      </p:nvGrpSpPr>
-      <p:grpSpPr>
-        <a:xfrm>
-          <a:off x="0" y="0"/>
-          <a:ext cx="0" cy="0"/>
-          <a:chOff x="0" y="0"/>
-          <a:chExt cx="0" cy="0"/>
-        </a:xfrm>
-      </p:grpSpPr>
-      <p:sp>
-        <p:nvSpPr>
-          <p:cNvPr id="9218" name="Rectangle 2"/>
-          <p:cNvSpPr>
-            <a:spLocks noGrp="1" noRot="1" noChangeAspect="1" noChangeArrowheads="1" noTextEdit="1"/>
-          </p:cNvSpPr>
-          <p:nvPr>
-            <p:ph type="sldImg"/>
-          </p:nvPr>
-        </p:nvSpPr>
-        <p:spPr>
-          <a:xfrm>
-            <a:off x="1127125" y="711200"/>
-            <a:ext cx="4605338" cy="3454400"/>
-          </a:xfrm>
-          <a:ln/>
-        </p:spPr>
-      </p:sp>
-      <p:sp>
-        <p:nvSpPr>
-          <p:cNvPr id="9219" name="Rectangle 3"/>
-          <p:cNvSpPr>
-            <a:spLocks noGrp="1" noChangeArrowheads="1"/>
-          </p:cNvSpPr>
-          <p:nvPr>
-            <p:ph type="body" idx="1"/>
-          </p:nvPr>
-        </p:nvSpPr>
-        <p:spPr>
-          <a:xfrm>
-            <a:off x="914400" y="4368800"/>
-            <a:ext cx="5029200" cy="4064000"/>
-          </a:xfrm>
-          <a:noFill/>
-          <a:ln w="9525"/>
-          <a:extLst>
-            <a:ext uri="{FAA26D3D-D897-4be2-8F04-BA451C77F1D7}">
-              <ma14:placeholderFlag xmlns:ma14="http://schemas.microsoft.com/office/mac/drawingml/2011/main" val="1"/>
-            </a:ext>
-            <a:ext uri="{909E8E84-426E-40dd-AFC4-6F175D3DCCD1}">
-              <a14:hiddenFill xmlns="" xmlns:a14="http://schemas.microsoft.com/office/drawing/2010/main">
-                <a:solidFill>
-                  <a:srgbClr val="FFFFFF"/>
-                </a:solidFill>
-              </a14:hiddenFill>
-            </a:ext>
-            <a:ext uri="{91240B29-F687-4f45-9708-019B960494DF}">
-              <a14:hiddenLine xmlns="" xmlns:a14="http://schemas.microsoft.com/office/drawing/2010/main" w="9525">
+              <a14:hiddenLine xmlns:a14="http://schemas.microsoft.com/office/drawing/2010/main" xmlns="" w="9525">
                 <a:solidFill>
                   <a:srgbClr val="000000"/>
                 </a:solidFill>
@@ -936,14 +837,14 @@
               <ma14:placeholderFlag xmlns:ma14="http://schemas.microsoft.com/office/mac/drawingml/2011/main" val="1"/>
             </a:ext>
             <a:ext uri="{909E8E84-426E-40dd-AFC4-6F175D3DCCD1}">
-              <a14:hiddenFill xmlns="" xmlns:a14="http://schemas.microsoft.com/office/drawing/2010/main">
+              <a14:hiddenFill xmlns:a14="http://schemas.microsoft.com/office/drawing/2010/main" xmlns="">
                 <a:solidFill>
                   <a:srgbClr val="FFFFFF"/>
                 </a:solidFill>
               </a14:hiddenFill>
             </a:ext>
             <a:ext uri="{91240B29-F687-4f45-9708-019B960494DF}">
-              <a14:hiddenLine xmlns="" xmlns:a14="http://schemas.microsoft.com/office/drawing/2010/main" w="9525">
+              <a14:hiddenLine xmlns:a14="http://schemas.microsoft.com/office/drawing/2010/main" xmlns="" w="9525">
                 <a:solidFill>
                   <a:srgbClr val="000000"/>
                 </a:solidFill>
@@ -965,6 +866,11 @@
         </p:txBody>
       </p:sp>
     </p:spTree>
+    <p:extLst>
+      <p:ext uri="{BB962C8B-B14F-4D97-AF65-F5344CB8AC3E}">
+        <p14:creationId xmlns:p14="http://schemas.microsoft.com/office/powerpoint/2010/main" val="1837996386"/>
+      </p:ext>
+    </p:extLst>
   </p:cSld>
   <p:clrMapOvr>
     <a:masterClrMapping/>
@@ -1029,14 +935,14 @@
               <ma14:placeholderFlag xmlns:ma14="http://schemas.microsoft.com/office/mac/drawingml/2011/main" val="1"/>
             </a:ext>
             <a:ext uri="{909E8E84-426E-40dd-AFC4-6F175D3DCCD1}">
-              <a14:hiddenFill xmlns="" xmlns:a14="http://schemas.microsoft.com/office/drawing/2010/main">
+              <a14:hiddenFill xmlns:a14="http://schemas.microsoft.com/office/drawing/2010/main" xmlns="">
                 <a:solidFill>
                   <a:srgbClr val="FFFFFF"/>
                 </a:solidFill>
               </a14:hiddenFill>
             </a:ext>
             <a:ext uri="{91240B29-F687-4f45-9708-019B960494DF}">
-              <a14:hiddenLine xmlns="" xmlns:a14="http://schemas.microsoft.com/office/drawing/2010/main" w="9525">
+              <a14:hiddenLine xmlns:a14="http://schemas.microsoft.com/office/drawing/2010/main" xmlns="" w="9525">
                 <a:solidFill>
                   <a:srgbClr val="000000"/>
                 </a:solidFill>
@@ -1060,7 +966,7 @@
     </p:spTree>
     <p:extLst>
       <p:ext uri="{BB962C8B-B14F-4D97-AF65-F5344CB8AC3E}">
-        <p14:creationId xmlns:p14="http://schemas.microsoft.com/office/powerpoint/2010/main" val="1837996386"/>
+        <p14:creationId xmlns:p14="http://schemas.microsoft.com/office/powerpoint/2010/main" val="1737098315"/>
       </p:ext>
     </p:extLst>
   </p:cSld>
@@ -1127,14 +1033,14 @@
               <ma14:placeholderFlag xmlns:ma14="http://schemas.microsoft.com/office/mac/drawingml/2011/main" val="1"/>
             </a:ext>
             <a:ext uri="{909E8E84-426E-40dd-AFC4-6F175D3DCCD1}">
-              <a14:hiddenFill xmlns="" xmlns:a14="http://schemas.microsoft.com/office/drawing/2010/main">
+              <a14:hiddenFill xmlns:a14="http://schemas.microsoft.com/office/drawing/2010/main" xmlns="">
                 <a:solidFill>
                   <a:srgbClr val="FFFFFF"/>
                 </a:solidFill>
               </a14:hiddenFill>
             </a:ext>
             <a:ext uri="{91240B29-F687-4f45-9708-019B960494DF}">
-              <a14:hiddenLine xmlns="" xmlns:a14="http://schemas.microsoft.com/office/drawing/2010/main" w="9525">
+              <a14:hiddenLine xmlns:a14="http://schemas.microsoft.com/office/drawing/2010/main" xmlns="" w="9525">
                 <a:solidFill>
                   <a:srgbClr val="000000"/>
                 </a:solidFill>
@@ -1158,7 +1064,7 @@
     </p:spTree>
     <p:extLst>
       <p:ext uri="{BB962C8B-B14F-4D97-AF65-F5344CB8AC3E}">
-        <p14:creationId xmlns:p14="http://schemas.microsoft.com/office/powerpoint/2010/main" val="1737098315"/>
+        <p14:creationId xmlns:p14="http://schemas.microsoft.com/office/powerpoint/2010/main" val="24927727"/>
       </p:ext>
     </p:extLst>
   </p:cSld>
@@ -1225,14 +1131,14 @@
               <ma14:placeholderFlag xmlns:ma14="http://schemas.microsoft.com/office/mac/drawingml/2011/main" val="1"/>
             </a:ext>
             <a:ext uri="{909E8E84-426E-40dd-AFC4-6F175D3DCCD1}">
-              <a14:hiddenFill xmlns="" xmlns:a14="http://schemas.microsoft.com/office/drawing/2010/main">
+              <a14:hiddenFill xmlns:a14="http://schemas.microsoft.com/office/drawing/2010/main" xmlns="">
                 <a:solidFill>
                   <a:srgbClr val="FFFFFF"/>
                 </a:solidFill>
               </a14:hiddenFill>
             </a:ext>
             <a:ext uri="{91240B29-F687-4f45-9708-019B960494DF}">
-              <a14:hiddenLine xmlns="" xmlns:a14="http://schemas.microsoft.com/office/drawing/2010/main" w="9525">
+              <a14:hiddenLine xmlns:a14="http://schemas.microsoft.com/office/drawing/2010/main" xmlns="" w="9525">
                 <a:solidFill>
                   <a:srgbClr val="000000"/>
                 </a:solidFill>
@@ -1256,7 +1162,7 @@
     </p:spTree>
     <p:extLst>
       <p:ext uri="{BB962C8B-B14F-4D97-AF65-F5344CB8AC3E}">
-        <p14:creationId xmlns:p14="http://schemas.microsoft.com/office/powerpoint/2010/main" val="24927727"/>
+        <p14:creationId xmlns:p14="http://schemas.microsoft.com/office/powerpoint/2010/main" val="727679900"/>
       </p:ext>
     </p:extLst>
   </p:cSld>
@@ -1323,14 +1229,14 @@
               <ma14:placeholderFlag xmlns:ma14="http://schemas.microsoft.com/office/mac/drawingml/2011/main" val="1"/>
             </a:ext>
             <a:ext uri="{909E8E84-426E-40dd-AFC4-6F175D3DCCD1}">
-              <a14:hiddenFill xmlns="" xmlns:a14="http://schemas.microsoft.com/office/drawing/2010/main">
+              <a14:hiddenFill xmlns:a14="http://schemas.microsoft.com/office/drawing/2010/main" xmlns="">
                 <a:solidFill>
                   <a:srgbClr val="FFFFFF"/>
                 </a:solidFill>
               </a14:hiddenFill>
             </a:ext>
             <a:ext uri="{91240B29-F687-4f45-9708-019B960494DF}">
-              <a14:hiddenLine xmlns="" xmlns:a14="http://schemas.microsoft.com/office/drawing/2010/main" w="9525">
+              <a14:hiddenLine xmlns:a14="http://schemas.microsoft.com/office/drawing/2010/main" xmlns="" w="9525">
                 <a:solidFill>
                   <a:srgbClr val="000000"/>
                 </a:solidFill>
@@ -1354,7 +1260,7 @@
     </p:spTree>
     <p:extLst>
       <p:ext uri="{BB962C8B-B14F-4D97-AF65-F5344CB8AC3E}">
-        <p14:creationId xmlns:p14="http://schemas.microsoft.com/office/powerpoint/2010/main" val="727679900"/>
+        <p14:creationId xmlns:p14="http://schemas.microsoft.com/office/powerpoint/2010/main" val="2066977787"/>
       </p:ext>
     </p:extLst>
   </p:cSld>
@@ -1383,9 +1289,38 @@
       </p:grpSpPr>
       <p:sp>
         <p:nvSpPr>
-          <p:cNvPr id="9218" name="Rectangle 2"/>
+          <p:cNvPr id="7" name="Rectangle 7"/>
           <p:cNvSpPr>
-            <a:spLocks noGrp="1" noRot="1" noChangeAspect="1" noChangeArrowheads="1" noTextEdit="1"/>
+            <a:spLocks noGrp="1" noChangeArrowheads="1"/>
+          </p:cNvSpPr>
+          <p:nvPr>
+            <p:ph type="sldNum" sz="quarter" idx="5"/>
+          </p:nvPr>
+        </p:nvSpPr>
+        <p:spPr/>
+        <p:txBody>
+          <a:bodyPr/>
+          <a:lstStyle/>
+          <a:p>
+            <a:pPr>
+              <a:defRPr/>
+            </a:pPr>
+            <a:fld id="{85450357-82C1-C541-82FB-0E6B878CAEA4}" type="slidenum">
+              <a:rPr lang="en-US"/>
+              <a:pPr>
+                <a:defRPr/>
+              </a:pPr>
+              <a:t>11</a:t>
+            </a:fld>
+            <a:endParaRPr lang="en-US"/>
+          </a:p>
+        </p:txBody>
+      </p:sp>
+      <p:sp>
+        <p:nvSpPr>
+          <p:cNvPr id="97282" name="Rectangle 2"/>
+          <p:cNvSpPr>
+            <a:spLocks noGrp="1" noRot="1" noChangeAspect="1" noChangeArrowheads="1"/>
           </p:cNvSpPr>
           <p:nvPr>
             <p:ph type="sldImg"/>
@@ -1393,15 +1328,18 @@
         </p:nvSpPr>
         <p:spPr>
           <a:xfrm>
-            <a:off x="1127125" y="711200"/>
-            <a:ext cx="4605338" cy="3454400"/>
+            <a:off x="1125538" y="711200"/>
+            <a:ext cx="4606925" cy="3454400"/>
           </a:xfrm>
+          <a:solidFill>
+            <a:srgbClr val="FFFFFF"/>
+          </a:solidFill>
           <a:ln/>
         </p:spPr>
       </p:sp>
       <p:sp>
         <p:nvSpPr>
-          <p:cNvPr id="9219" name="Rectangle 3"/>
+          <p:cNvPr id="97283" name="Rectangle 3"/>
           <p:cNvSpPr>
             <a:spLocks noGrp="1" noChangeArrowheads="1"/>
           </p:cNvSpPr>
@@ -1411,32 +1349,21 @@
         </p:nvSpPr>
         <p:spPr>
           <a:xfrm>
-            <a:off x="914400" y="4368800"/>
-            <a:ext cx="5029200" cy="4064000"/>
+            <a:off x="914400" y="4369009"/>
+            <a:ext cx="5029200" cy="4064521"/>
           </a:xfrm>
-          <a:noFill/>
-          <a:ln w="9525"/>
+          <a:solidFill>
+            <a:srgbClr val="FFFFFF"/>
+          </a:solidFill>
+          <a:ln>
+            <a:solidFill>
+              <a:srgbClr val="000000"/>
+            </a:solidFill>
+          </a:ln>
           <a:extLst>
             <a:ext uri="{FAA26D3D-D897-4be2-8F04-BA451C77F1D7}">
               <ma14:placeholderFlag xmlns:ma14="http://schemas.microsoft.com/office/mac/drawingml/2011/main" val="1"/>
             </a:ext>
-            <a:ext uri="{909E8E84-426E-40dd-AFC4-6F175D3DCCD1}">
-              <a14:hiddenFill xmlns="" xmlns:a14="http://schemas.microsoft.com/office/drawing/2010/main">
-                <a:solidFill>
-                  <a:srgbClr val="FFFFFF"/>
-                </a:solidFill>
-              </a14:hiddenFill>
-            </a:ext>
-            <a:ext uri="{91240B29-F687-4f45-9708-019B960494DF}">
-              <a14:hiddenLine xmlns="" xmlns:a14="http://schemas.microsoft.com/office/drawing/2010/main" w="9525">
-                <a:solidFill>
-                  <a:srgbClr val="000000"/>
-                </a:solidFill>
-                <a:miter lim="800000"/>
-                <a:headEnd/>
-                <a:tailEnd/>
-              </a14:hiddenLine>
-            </a:ext>
           </a:extLst>
         </p:spPr>
         <p:txBody>
@@ -1450,11 +1377,6 @@
         </p:txBody>
       </p:sp>
     </p:spTree>
-    <p:extLst>
-      <p:ext uri="{BB962C8B-B14F-4D97-AF65-F5344CB8AC3E}">
-        <p14:creationId xmlns:p14="http://schemas.microsoft.com/office/powerpoint/2010/main" val="2066977787"/>
-      </p:ext>
-    </p:extLst>
   </p:cSld>
   <p:clrMapOvr>
     <a:masterClrMapping/>
@@ -1481,38 +1403,9 @@
       </p:grpSpPr>
       <p:sp>
         <p:nvSpPr>
-          <p:cNvPr id="7" name="Rectangle 7"/>
+          <p:cNvPr id="9218" name="Rectangle 2"/>
           <p:cNvSpPr>
-            <a:spLocks noGrp="1" noChangeArrowheads="1"/>
-          </p:cNvSpPr>
-          <p:nvPr>
-            <p:ph type="sldNum" sz="quarter" idx="5"/>
-          </p:nvPr>
-        </p:nvSpPr>
-        <p:spPr/>
-        <p:txBody>
-          <a:bodyPr/>
-          <a:lstStyle/>
-          <a:p>
-            <a:pPr>
-              <a:defRPr/>
-            </a:pPr>
-            <a:fld id="{85450357-82C1-C541-82FB-0E6B878CAEA4}" type="slidenum">
-              <a:rPr lang="en-US"/>
-              <a:pPr>
-                <a:defRPr/>
-              </a:pPr>
-              <a:t>12</a:t>
-            </a:fld>
-            <a:endParaRPr lang="en-US"/>
-          </a:p>
-        </p:txBody>
-      </p:sp>
-      <p:sp>
-        <p:nvSpPr>
-          <p:cNvPr id="97282" name="Rectangle 2"/>
-          <p:cNvSpPr>
-            <a:spLocks noGrp="1" noRot="1" noChangeAspect="1" noChangeArrowheads="1"/>
+            <a:spLocks noGrp="1" noRot="1" noChangeAspect="1" noChangeArrowheads="1" noTextEdit="1"/>
           </p:cNvSpPr>
           <p:nvPr>
             <p:ph type="sldImg"/>
@@ -1520,18 +1413,15 @@
         </p:nvSpPr>
         <p:spPr>
           <a:xfrm>
-            <a:off x="1125538" y="711200"/>
-            <a:ext cx="4606925" cy="3454400"/>
+            <a:off x="1127125" y="711200"/>
+            <a:ext cx="4605338" cy="3454400"/>
           </a:xfrm>
-          <a:solidFill>
-            <a:srgbClr val="FFFFFF"/>
-          </a:solidFill>
           <a:ln/>
         </p:spPr>
       </p:sp>
       <p:sp>
         <p:nvSpPr>
-          <p:cNvPr id="97283" name="Rectangle 3"/>
+          <p:cNvPr id="9219" name="Rectangle 3"/>
           <p:cNvSpPr>
             <a:spLocks noGrp="1" noChangeArrowheads="1"/>
           </p:cNvSpPr>
@@ -1541,21 +1431,32 @@
         </p:nvSpPr>
         <p:spPr>
           <a:xfrm>
-            <a:off x="914400" y="4369009"/>
-            <a:ext cx="5029200" cy="4064521"/>
+            <a:off x="914400" y="4368800"/>
+            <a:ext cx="5029200" cy="4064000"/>
           </a:xfrm>
-          <a:solidFill>
-            <a:srgbClr val="FFFFFF"/>
-          </a:solidFill>
-          <a:ln>
-            <a:solidFill>
-              <a:srgbClr val="000000"/>
-            </a:solidFill>
-          </a:ln>
+          <a:noFill/>
+          <a:ln w="9525"/>
           <a:extLst>
             <a:ext uri="{FAA26D3D-D897-4be2-8F04-BA451C77F1D7}">
               <ma14:placeholderFlag xmlns:ma14="http://schemas.microsoft.com/office/mac/drawingml/2011/main" val="1"/>
             </a:ext>
+            <a:ext uri="{909E8E84-426E-40dd-AFC4-6F175D3DCCD1}">
+              <a14:hiddenFill xmlns:a14="http://schemas.microsoft.com/office/drawing/2010/main" xmlns="">
+                <a:solidFill>
+                  <a:srgbClr val="FFFFFF"/>
+                </a:solidFill>
+              </a14:hiddenFill>
+            </a:ext>
+            <a:ext uri="{91240B29-F687-4f45-9708-019B960494DF}">
+              <a14:hiddenLine xmlns:a14="http://schemas.microsoft.com/office/drawing/2010/main" xmlns="" w="9525">
+                <a:solidFill>
+                  <a:srgbClr val="000000"/>
+                </a:solidFill>
+                <a:miter lim="800000"/>
+                <a:headEnd/>
+                <a:tailEnd/>
+              </a14:hiddenLine>
+            </a:ext>
           </a:extLst>
         </p:spPr>
         <p:txBody>
@@ -1569,6 +1470,11 @@
         </p:txBody>
       </p:sp>
     </p:spTree>
+    <p:extLst>
+      <p:ext uri="{BB962C8B-B14F-4D97-AF65-F5344CB8AC3E}">
+        <p14:creationId xmlns:p14="http://schemas.microsoft.com/office/powerpoint/2010/main" val="285706346"/>
+      </p:ext>
+    </p:extLst>
   </p:cSld>
   <p:clrMapOvr>
     <a:masterClrMapping/>
@@ -1633,14 +1539,14 @@
               <ma14:placeholderFlag xmlns:ma14="http://schemas.microsoft.com/office/mac/drawingml/2011/main" val="1"/>
             </a:ext>
             <a:ext uri="{909E8E84-426E-40dd-AFC4-6F175D3DCCD1}">
-              <a14:hiddenFill xmlns="" xmlns:a14="http://schemas.microsoft.com/office/drawing/2010/main">
+              <a14:hiddenFill xmlns:a14="http://schemas.microsoft.com/office/drawing/2010/main" xmlns="">
                 <a:solidFill>
                   <a:srgbClr val="FFFFFF"/>
                 </a:solidFill>
               </a14:hiddenFill>
             </a:ext>
             <a:ext uri="{91240B29-F687-4f45-9708-019B960494DF}">
-              <a14:hiddenLine xmlns="" xmlns:a14="http://schemas.microsoft.com/office/drawing/2010/main" w="9525">
+              <a14:hiddenLine xmlns:a14="http://schemas.microsoft.com/office/drawing/2010/main" xmlns="" w="9525">
                 <a:solidFill>
                   <a:srgbClr val="000000"/>
                 </a:solidFill>
@@ -1664,7 +1570,7 @@
     </p:spTree>
     <p:extLst>
       <p:ext uri="{BB962C8B-B14F-4D97-AF65-F5344CB8AC3E}">
-        <p14:creationId xmlns:p14="http://schemas.microsoft.com/office/powerpoint/2010/main" val="285706346"/>
+        <p14:creationId xmlns:p14="http://schemas.microsoft.com/office/powerpoint/2010/main" val="311083356"/>
       </p:ext>
     </p:extLst>
   </p:cSld>
@@ -1855,7 +1761,7 @@
           <a:p>
             <a:fld id="{783D6C8C-1BE3-0543-97F0-5019730C302B}" type="datetimeFigureOut">
               <a:rPr lang="en-US" smtClean="0"/>
-              <a:t>7/10/17</a:t>
+              <a:t>7/2/18</a:t>
             </a:fld>
             <a:endParaRPr lang="en-US"/>
           </a:p>
@@ -2025,7 +1931,7 @@
           <a:p>
             <a:fld id="{783D6C8C-1BE3-0543-97F0-5019730C302B}" type="datetimeFigureOut">
               <a:rPr lang="en-US" smtClean="0"/>
-              <a:t>7/10/17</a:t>
+              <a:t>7/2/18</a:t>
             </a:fld>
             <a:endParaRPr lang="en-US"/>
           </a:p>
@@ -2205,7 +2111,7 @@
           <a:p>
             <a:fld id="{783D6C8C-1BE3-0543-97F0-5019730C302B}" type="datetimeFigureOut">
               <a:rPr lang="en-US" smtClean="0"/>
-              <a:t>7/10/17</a:t>
+              <a:t>7/2/18</a:t>
             </a:fld>
             <a:endParaRPr lang="en-US"/>
           </a:p>
@@ -2308,7 +2214,7 @@
           <a:p>
             <a:fld id="{D07016D4-4978-434B-9B8C-25DCA86072DA}" type="datetimeFigureOut">
               <a:rPr lang="en-US" smtClean="0"/>
-              <a:t>7/10/17</a:t>
+              <a:t>7/2/18</a:t>
             </a:fld>
             <a:endParaRPr lang="en-US"/>
           </a:p>
@@ -2617,7 +2523,7 @@
           <a:p>
             <a:fld id="{783D6C8C-1BE3-0543-97F0-5019730C302B}" type="datetimeFigureOut">
               <a:rPr lang="en-US" smtClean="0"/>
-              <a:t>7/10/17</a:t>
+              <a:t>7/2/18</a:t>
             </a:fld>
             <a:endParaRPr lang="en-US"/>
           </a:p>
@@ -2863,7 +2769,7 @@
           <a:p>
             <a:fld id="{783D6C8C-1BE3-0543-97F0-5019730C302B}" type="datetimeFigureOut">
               <a:rPr lang="en-US" smtClean="0"/>
-              <a:t>7/10/17</a:t>
+              <a:t>7/2/18</a:t>
             </a:fld>
             <a:endParaRPr lang="en-US"/>
           </a:p>
@@ -3151,7 +3057,7 @@
           <a:p>
             <a:fld id="{783D6C8C-1BE3-0543-97F0-5019730C302B}" type="datetimeFigureOut">
               <a:rPr lang="en-US" smtClean="0"/>
-              <a:t>7/10/17</a:t>
+              <a:t>7/2/18</a:t>
             </a:fld>
             <a:endParaRPr lang="en-US"/>
           </a:p>
@@ -3573,7 +3479,7 @@
           <a:p>
             <a:fld id="{783D6C8C-1BE3-0543-97F0-5019730C302B}" type="datetimeFigureOut">
               <a:rPr lang="en-US" smtClean="0"/>
-              <a:t>7/10/17</a:t>
+              <a:t>7/2/18</a:t>
             </a:fld>
             <a:endParaRPr lang="en-US"/>
           </a:p>
@@ -3691,7 +3597,7 @@
           <a:p>
             <a:fld id="{783D6C8C-1BE3-0543-97F0-5019730C302B}" type="datetimeFigureOut">
               <a:rPr lang="en-US" smtClean="0"/>
-              <a:t>7/10/17</a:t>
+              <a:t>7/2/18</a:t>
             </a:fld>
             <a:endParaRPr lang="en-US"/>
           </a:p>
@@ -3786,7 +3692,7 @@
           <a:p>
             <a:fld id="{783D6C8C-1BE3-0543-97F0-5019730C302B}" type="datetimeFigureOut">
               <a:rPr lang="en-US" smtClean="0"/>
-              <a:t>7/10/17</a:t>
+              <a:t>7/2/18</a:t>
             </a:fld>
             <a:endParaRPr lang="en-US"/>
           </a:p>
@@ -4063,7 +3969,7 @@
           <a:p>
             <a:fld id="{783D6C8C-1BE3-0543-97F0-5019730C302B}" type="datetimeFigureOut">
               <a:rPr lang="en-US" smtClean="0"/>
-              <a:t>7/10/17</a:t>
+              <a:t>7/2/18</a:t>
             </a:fld>
             <a:endParaRPr lang="en-US"/>
           </a:p>
@@ -4316,7 +4222,7 @@
           <a:p>
             <a:fld id="{783D6C8C-1BE3-0543-97F0-5019730C302B}" type="datetimeFigureOut">
               <a:rPr lang="en-US" smtClean="0"/>
-              <a:t>7/10/17</a:t>
+              <a:t>7/2/18</a:t>
             </a:fld>
             <a:endParaRPr lang="en-US"/>
           </a:p>
@@ -4529,7 +4435,7 @@
           <a:p>
             <a:fld id="{783D6C8C-1BE3-0543-97F0-5019730C302B}" type="datetimeFigureOut">
               <a:rPr lang="en-US" smtClean="0"/>
-              <a:t>7/10/17</a:t>
+              <a:t>7/2/18</a:t>
             </a:fld>
             <a:endParaRPr lang="en-US"/>
           </a:p>
@@ -5133,7 +5039,7 @@
           <a:noFill/>
           <a:extLst>
             <a:ext uri="{909E8E84-426E-40dd-AFC4-6F175D3DCCD1}">
-              <a14:hiddenFill xmlns="" xmlns:a14="http://schemas.microsoft.com/office/drawing/2010/main">
+              <a14:hiddenFill xmlns:a14="http://schemas.microsoft.com/office/drawing/2010/main" xmlns="">
                 <a:solidFill>
                   <a:srgbClr val="FFFFFF"/>
                 </a:solidFill>
@@ -5163,246 +5069,6 @@
 </file>
 
 <file path=ppt/slides/slide10.xml><?xml version="1.0" encoding="utf-8"?>
-<p:sld xmlns:a="http://schemas.openxmlformats.org/drawingml/2006/main" xmlns:r="http://schemas.openxmlformats.org/officeDocument/2006/relationships" xmlns:p="http://schemas.openxmlformats.org/presentationml/2006/main">
-  <p:cSld>
-    <p:spTree>
-      <p:nvGrpSpPr>
-        <p:cNvPr id="1" name=""/>
-        <p:cNvGrpSpPr/>
-        <p:nvPr/>
-      </p:nvGrpSpPr>
-      <p:grpSpPr>
-        <a:xfrm>
-          <a:off x="0" y="0"/>
-          <a:ext cx="0" cy="0"/>
-          <a:chOff x="0" y="0"/>
-          <a:chExt cx="0" cy="0"/>
-        </a:xfrm>
-      </p:grpSpPr>
-      <p:sp>
-        <p:nvSpPr>
-          <p:cNvPr id="18" name="Rectangle 2"/>
-          <p:cNvSpPr txBox="1">
-            <a:spLocks noChangeArrowheads="1"/>
-          </p:cNvSpPr>
-          <p:nvPr/>
-        </p:nvSpPr>
-        <p:spPr>
-          <a:xfrm>
-            <a:off x="0" y="-24152"/>
-            <a:ext cx="9144000" cy="746387"/>
-          </a:xfrm>
-          <a:prstGeom prst="rect">
-            <a:avLst/>
-          </a:prstGeom>
-          <a:solidFill>
-            <a:schemeClr val="accent3">
-              <a:lumMod val="60000"/>
-              <a:lumOff val="40000"/>
-            </a:schemeClr>
-          </a:solidFill>
-          <a:ln w="38100" cap="flat" cmpd="sng" algn="ctr">
-            <a:noFill/>
-            <a:prstDash val="solid"/>
-          </a:ln>
-          <a:effectLst/>
-        </p:spPr>
-        <p:style>
-          <a:lnRef idx="3">
-            <a:schemeClr val="lt1"/>
-          </a:lnRef>
-          <a:fillRef idx="1">
-            <a:schemeClr val="accent3"/>
-          </a:fillRef>
-          <a:effectRef idx="1">
-            <a:schemeClr val="accent3"/>
-          </a:effectRef>
-          <a:fontRef idx="minor">
-            <a:schemeClr val="lt1"/>
-          </a:fontRef>
-        </p:style>
-        <p:txBody>
-          <a:bodyPr vert="horz" lIns="91440" tIns="45720" rIns="91440" bIns="45720" rtlCol="0" anchor="ctr">
-            <a:normAutofit/>
-          </a:bodyPr>
-          <a:lstStyle>
-            <a:lvl1pPr algn="ctr" defTabSz="457200" rtl="0" eaLnBrk="1" latinLnBrk="0" hangingPunct="1">
-              <a:spcBef>
-                <a:spcPct val="0"/>
-              </a:spcBef>
-              <a:buNone/>
-              <a:defRPr sz="4400" kern="1200">
-                <a:solidFill>
-                  <a:schemeClr val="lt1"/>
-                </a:solidFill>
-                <a:latin typeface="+mn-lt"/>
-                <a:ea typeface="+mn-ea"/>
-                <a:cs typeface="+mn-cs"/>
-              </a:defRPr>
-            </a:lvl1pPr>
-            <a:lvl2pPr>
-              <a:defRPr>
-                <a:solidFill>
-                  <a:schemeClr val="lt1"/>
-                </a:solidFill>
-                <a:latin typeface="+mn-lt"/>
-                <a:ea typeface="+mn-ea"/>
-                <a:cs typeface="+mn-cs"/>
-              </a:defRPr>
-            </a:lvl2pPr>
-            <a:lvl3pPr>
-              <a:defRPr>
-                <a:solidFill>
-                  <a:schemeClr val="lt1"/>
-                </a:solidFill>
-                <a:latin typeface="+mn-lt"/>
-                <a:ea typeface="+mn-ea"/>
-                <a:cs typeface="+mn-cs"/>
-              </a:defRPr>
-            </a:lvl3pPr>
-            <a:lvl4pPr>
-              <a:defRPr>
-                <a:solidFill>
-                  <a:schemeClr val="lt1"/>
-                </a:solidFill>
-                <a:latin typeface="+mn-lt"/>
-                <a:ea typeface="+mn-ea"/>
-                <a:cs typeface="+mn-cs"/>
-              </a:defRPr>
-            </a:lvl4pPr>
-            <a:lvl5pPr>
-              <a:defRPr>
-                <a:solidFill>
-                  <a:schemeClr val="lt1"/>
-                </a:solidFill>
-                <a:latin typeface="+mn-lt"/>
-                <a:ea typeface="+mn-ea"/>
-                <a:cs typeface="+mn-cs"/>
-              </a:defRPr>
-            </a:lvl5pPr>
-            <a:lvl6pPr>
-              <a:defRPr>
-                <a:solidFill>
-                  <a:schemeClr val="lt1"/>
-                </a:solidFill>
-                <a:latin typeface="+mn-lt"/>
-                <a:ea typeface="+mn-ea"/>
-                <a:cs typeface="+mn-cs"/>
-              </a:defRPr>
-            </a:lvl6pPr>
-            <a:lvl7pPr>
-              <a:defRPr>
-                <a:solidFill>
-                  <a:schemeClr val="lt1"/>
-                </a:solidFill>
-                <a:latin typeface="+mn-lt"/>
-                <a:ea typeface="+mn-ea"/>
-                <a:cs typeface="+mn-cs"/>
-              </a:defRPr>
-            </a:lvl7pPr>
-            <a:lvl8pPr>
-              <a:defRPr>
-                <a:solidFill>
-                  <a:schemeClr val="lt1"/>
-                </a:solidFill>
-                <a:latin typeface="+mn-lt"/>
-                <a:ea typeface="+mn-ea"/>
-                <a:cs typeface="+mn-cs"/>
-              </a:defRPr>
-            </a:lvl8pPr>
-            <a:lvl9pPr>
-              <a:defRPr>
-                <a:solidFill>
-                  <a:schemeClr val="lt1"/>
-                </a:solidFill>
-                <a:latin typeface="+mn-lt"/>
-                <a:ea typeface="+mn-ea"/>
-                <a:cs typeface="+mn-cs"/>
-              </a:defRPr>
-            </a:lvl9pPr>
-          </a:lstStyle>
-          <a:p>
-            <a:r>
-              <a:rPr lang="en-US" sz="4000" b="1" dirty="0" err="1" smtClean="0">
-                <a:solidFill>
-                  <a:schemeClr val="tx1"/>
-                </a:solidFill>
-                <a:latin typeface="Century Gothic"/>
-                <a:cs typeface="Century Gothic"/>
-              </a:rPr>
-              <a:t>ArrayList</a:t>
-            </a:r>
-            <a:r>
-              <a:rPr lang="en-US" sz="4000" b="1" dirty="0" smtClean="0">
-                <a:solidFill>
-                  <a:schemeClr val="tx1"/>
-                </a:solidFill>
-                <a:latin typeface="Century Gothic"/>
-                <a:cs typeface="Century Gothic"/>
-              </a:rPr>
-              <a:t> Methods</a:t>
-            </a:r>
-            <a:endParaRPr lang="en-US" sz="4000" b="1" dirty="0">
-              <a:solidFill>
-                <a:schemeClr val="tx1"/>
-              </a:solidFill>
-              <a:latin typeface="Century Gothic"/>
-              <a:cs typeface="Century Gothic"/>
-            </a:endParaRPr>
-          </a:p>
-        </p:txBody>
-      </p:sp>
-      <p:pic>
-        <p:nvPicPr>
-          <p:cNvPr id="2" name="Picture 1"/>
-          <p:cNvPicPr>
-            <a:picLocks noChangeAspect="1"/>
-          </p:cNvPicPr>
-          <p:nvPr/>
-        </p:nvPicPr>
-        <p:blipFill>
-          <a:blip r:embed="rId3">
-            <a:extLst>
-              <a:ext uri="{28A0092B-C50C-407E-A947-70E740481C1C}">
-                <a14:useLocalDpi xmlns:a14="http://schemas.microsoft.com/office/drawing/2010/main" val="0"/>
-              </a:ext>
-            </a:extLst>
-          </a:blip>
-          <a:stretch>
-            <a:fillRect/>
-          </a:stretch>
-        </p:blipFill>
-        <p:spPr>
-          <a:xfrm>
-            <a:off x="0" y="736600"/>
-            <a:ext cx="9144000" cy="5383315"/>
-          </a:xfrm>
-          <a:prstGeom prst="rect">
-            <a:avLst/>
-          </a:prstGeom>
-        </p:spPr>
-      </p:pic>
-    </p:spTree>
-    <p:extLst>
-      <p:ext uri="{BB962C8B-B14F-4D97-AF65-F5344CB8AC3E}">
-        <p14:creationId xmlns:p14="http://schemas.microsoft.com/office/powerpoint/2010/main" val="766171216"/>
-      </p:ext>
-    </p:extLst>
-  </p:cSld>
-  <p:clrMapOvr>
-    <a:masterClrMapping/>
-  </p:clrMapOvr>
-  <p:timing>
-    <p:tnLst>
-      <p:par>
-        <p:cTn id="1" dur="indefinite" restart="never" nodeType="tmRoot"/>
-      </p:par>
-    </p:tnLst>
-  </p:timing>
-</p:sld>
-</file>
-
-<file path=ppt/slides/slide11.xml><?xml version="1.0" encoding="utf-8"?>
 <p:sld xmlns:a="http://schemas.openxmlformats.org/drawingml/2006/main" xmlns:r="http://schemas.openxmlformats.org/officeDocument/2006/relationships" xmlns:p="http://schemas.openxmlformats.org/presentationml/2006/main">
   <p:cSld>
     <p:spTree>
@@ -5632,7 +5298,7 @@
 </p:sld>
 </file>
 
-<file path=ppt/slides/slide12.xml><?xml version="1.0" encoding="utf-8"?>
+<file path=ppt/slides/slide11.xml><?xml version="1.0" encoding="utf-8"?>
 <p:sld xmlns:a="http://schemas.openxmlformats.org/drawingml/2006/main" xmlns:r="http://schemas.openxmlformats.org/officeDocument/2006/relationships" xmlns:p="http://schemas.openxmlformats.org/presentationml/2006/main">
   <p:cSld>
     <p:spTree>
@@ -5725,14 +5391,14 @@
           </a:ln>
           <a:extLst>
             <a:ext uri="{909E8E84-426E-40dd-AFC4-6F175D3DCCD1}">
-              <a14:hiddenFill xmlns="" xmlns:a14="http://schemas.microsoft.com/office/drawing/2010/main">
+              <a14:hiddenFill xmlns:a14="http://schemas.microsoft.com/office/drawing/2010/main" xmlns="">
                 <a:solidFill>
                   <a:srgbClr val="FFFFFF"/>
                 </a:solidFill>
               </a14:hiddenFill>
             </a:ext>
             <a:ext uri="{91240B29-F687-4f45-9708-019B960494DF}">
-              <a14:hiddenLine xmlns="" xmlns:a14="http://schemas.microsoft.com/office/drawing/2010/main" w="9525">
+              <a14:hiddenLine xmlns:a14="http://schemas.microsoft.com/office/drawing/2010/main" xmlns="" w="9525">
                 <a:solidFill>
                   <a:srgbClr val="000000"/>
                 </a:solidFill>
@@ -5897,7 +5563,7 @@
 </p:sld>
 </file>
 
-<file path=ppt/slides/slide13.xml><?xml version="1.0" encoding="utf-8"?>
+<file path=ppt/slides/slide12.xml><?xml version="1.0" encoding="utf-8"?>
 <p:sld xmlns:a="http://schemas.openxmlformats.org/drawingml/2006/main" xmlns:r="http://schemas.openxmlformats.org/officeDocument/2006/relationships" xmlns:p="http://schemas.openxmlformats.org/presentationml/2006/main">
   <p:cSld>
     <p:spTree>
@@ -6127,7 +5793,7 @@
 </p:sld>
 </file>
 
-<file path=ppt/slides/slide14.xml><?xml version="1.0" encoding="utf-8"?>
+<file path=ppt/slides/slide13.xml><?xml version="1.0" encoding="utf-8"?>
 <p:sld xmlns:a="http://schemas.openxmlformats.org/drawingml/2006/main" xmlns:r="http://schemas.openxmlformats.org/officeDocument/2006/relationships" xmlns:p="http://schemas.openxmlformats.org/presentationml/2006/main">
   <p:cSld>
     <p:spTree>
@@ -6397,7 +6063,7 @@
 </p:sld>
 </file>
 
-<file path=ppt/slides/slide15.xml><?xml version="1.0" encoding="utf-8"?>
+<file path=ppt/slides/slide14.xml><?xml version="1.0" encoding="utf-8"?>
 <p:sld xmlns:a="http://schemas.openxmlformats.org/drawingml/2006/main" xmlns:r="http://schemas.openxmlformats.org/officeDocument/2006/relationships" xmlns:p="http://schemas.openxmlformats.org/presentationml/2006/main">
   <p:cSld>
     <p:spTree>
@@ -6637,7 +6303,7 @@
 </p:sld>
 </file>
 
-<file path=ppt/slides/slide16.xml><?xml version="1.0" encoding="utf-8"?>
+<file path=ppt/slides/slide15.xml><?xml version="1.0" encoding="utf-8"?>
 <p:sld xmlns:a="http://schemas.openxmlformats.org/drawingml/2006/main" xmlns:r="http://schemas.openxmlformats.org/officeDocument/2006/relationships" xmlns:p="http://schemas.openxmlformats.org/presentationml/2006/main">
   <p:cSld>
     <p:spTree>
@@ -6877,7 +6543,7 @@
 </p:sld>
 </file>
 
-<file path=ppt/slides/slide17.xml><?xml version="1.0" encoding="utf-8"?>
+<file path=ppt/slides/slide16.xml><?xml version="1.0" encoding="utf-8"?>
 <p:sld xmlns:a="http://schemas.openxmlformats.org/drawingml/2006/main" xmlns:r="http://schemas.openxmlformats.org/officeDocument/2006/relationships" xmlns:p="http://schemas.openxmlformats.org/presentationml/2006/main">
   <p:cSld>
     <p:spTree>
@@ -8007,14 +7673,14 @@
           </a:ln>
           <a:extLst>
             <a:ext uri="{909E8E84-426E-40dd-AFC4-6F175D3DCCD1}">
-              <a14:hiddenFill xmlns="" xmlns:a14="http://schemas.microsoft.com/office/drawing/2010/main">
+              <a14:hiddenFill xmlns:a14="http://schemas.microsoft.com/office/drawing/2010/main" xmlns="">
                 <a:solidFill>
                   <a:srgbClr val="FFFFFF"/>
                 </a:solidFill>
               </a14:hiddenFill>
             </a:ext>
             <a:ext uri="{91240B29-F687-4f45-9708-019B960494DF}">
-              <a14:hiddenLine xmlns="" xmlns:a14="http://schemas.microsoft.com/office/drawing/2010/main" w="9525">
+              <a14:hiddenLine xmlns:a14="http://schemas.microsoft.com/office/drawing/2010/main" xmlns="" w="9525">
                 <a:solidFill>
                   <a:srgbClr val="000000"/>
                 </a:solidFill>
@@ -8806,7 +8472,7 @@
         <p:spPr bwMode="auto">
           <a:xfrm>
             <a:off x="152400" y="1155700"/>
-            <a:ext cx="8686800" cy="1587500"/>
+            <a:ext cx="8851900" cy="5461000"/>
           </a:xfrm>
           <a:prstGeom prst="rect">
             <a:avLst/>
@@ -8817,14 +8483,14 @@
           </a:ln>
           <a:extLst>
             <a:ext uri="{909E8E84-426E-40dd-AFC4-6F175D3DCCD1}">
-              <a14:hiddenFill xmlns="" xmlns:a14="http://schemas.microsoft.com/office/drawing/2010/main">
+              <a14:hiddenFill xmlns:a14="http://schemas.microsoft.com/office/drawing/2010/main" xmlns="">
                 <a:solidFill>
                   <a:srgbClr val="FFFFFF"/>
                 </a:solidFill>
               </a14:hiddenFill>
             </a:ext>
             <a:ext uri="{91240B29-F687-4f45-9708-019B960494DF}">
-              <a14:hiddenLine xmlns="" xmlns:a14="http://schemas.microsoft.com/office/drawing/2010/main" w="9525">
+              <a14:hiddenLine xmlns:a14="http://schemas.microsoft.com/office/drawing/2010/main" xmlns="" w="9525">
                 <a:solidFill>
                   <a:srgbClr val="000000"/>
                 </a:solidFill>
@@ -8841,40 +8507,156 @@
           <a:p>
             <a:pPr marL="342900" indent="-342900"/>
             <a:r>
+              <a:rPr lang="en-US" sz="2800" dirty="0">
+                <a:solidFill>
+                  <a:srgbClr val="92D050"/>
+                </a:solidFill>
+              </a:rPr>
+              <a:t>// Create an (initially empty) </a:t>
+            </a:r>
+            <a:r>
+              <a:rPr lang="en-US" sz="2800" dirty="0" smtClean="0">
+                <a:solidFill>
+                  <a:srgbClr val="92D050"/>
+                </a:solidFill>
+              </a:rPr>
+              <a:t>list</a:t>
+            </a:r>
+          </a:p>
+          <a:p>
+            <a:pPr marL="342900" indent="-342900"/>
+            <a:r>
               <a:rPr lang="en-US" sz="2800" dirty="0" err="1"/>
               <a:t>ArrayList</a:t>
             </a:r>
             <a:r>
               <a:rPr lang="en-US" sz="2800" dirty="0"/>
+              <a:t> &lt;Integer&gt; l</a:t>
+            </a:r>
+            <a:r>
+              <a:rPr lang="en-US" sz="2800" dirty="0" smtClean="0"/>
+              <a:t>ist </a:t>
+            </a:r>
+            <a:r>
+              <a:rPr lang="en-US" sz="2800" dirty="0"/>
+              <a:t>= </a:t>
+            </a:r>
+            <a:r>
+              <a:rPr lang="en-US" sz="2800" dirty="0">
+                <a:solidFill>
+                  <a:srgbClr val="7030A0"/>
+                </a:solidFill>
+              </a:rPr>
+              <a:t>new</a:t>
+            </a:r>
+            <a:r>
+              <a:rPr lang="en-US" sz="2800" dirty="0"/>
               <a:t> </a:t>
             </a:r>
             <a:r>
+              <a:rPr lang="en-US" sz="2800" dirty="0" err="1"/>
+              <a:t>ArrayList</a:t>
+            </a:r>
+            <a:r>
+              <a:rPr lang="en-US" sz="2800" dirty="0"/>
+              <a:t>&lt;Integer</a:t>
+            </a:r>
+            <a:r>
               <a:rPr lang="en-US" sz="2800" dirty="0" smtClean="0"/>
-              <a:t>&lt;Integer&gt; </a:t>
-            </a:r>
-            <a:r>
-              <a:rPr lang="en-US" sz="2800" dirty="0" err="1" smtClean="0"/>
-              <a:t>myArrayList</a:t>
-            </a:r>
-            <a:r>
-              <a:rPr lang="en-US" sz="2800" dirty="0" smtClean="0"/>
-              <a:t> </a:t>
-            </a:r>
-            <a:r>
-              <a:rPr lang="en-US" sz="2800" dirty="0"/>
-              <a:t>= new </a:t>
-            </a:r>
-            <a:r>
-              <a:rPr lang="en-US" sz="2800" dirty="0" err="1" smtClean="0"/>
-              <a:t>ArrayList</a:t>
-            </a:r>
-            <a:r>
-              <a:rPr lang="en-US" sz="2800" dirty="0" smtClean="0"/>
-              <a:t>&lt;Integer&gt;();</a:t>
-            </a:r>
+              <a:t>&gt;();</a:t>
+            </a:r>
+          </a:p>
+          <a:p>
+            <a:pPr marL="342900" indent="-342900"/>
             <a:endParaRPr lang="en-US" sz="2800" dirty="0">
               <a:latin typeface="Times New Roman" charset="0"/>
             </a:endParaRPr>
+          </a:p>
+          <a:p>
+            <a:pPr marL="342900" indent="-342900"/>
+            <a:r>
+              <a:rPr lang="en-US" sz="2800" dirty="0" smtClean="0">
+                <a:solidFill>
+                  <a:srgbClr val="92D050"/>
+                </a:solidFill>
+              </a:rPr>
+              <a:t>// </a:t>
+            </a:r>
+            <a:r>
+              <a:rPr lang="en-US" sz="2800" dirty="0">
+                <a:solidFill>
+                  <a:srgbClr val="92D050"/>
+                </a:solidFill>
+              </a:rPr>
+              <a:t>Add an element to the back </a:t>
+            </a:r>
+            <a:endParaRPr lang="en-US" sz="2800" dirty="0" smtClean="0">
+              <a:solidFill>
+                <a:srgbClr val="92D050"/>
+              </a:solidFill>
+            </a:endParaRPr>
+          </a:p>
+          <a:p>
+            <a:pPr marL="342900" indent="-342900"/>
+            <a:r>
+              <a:rPr lang="en-US" sz="2800" dirty="0" err="1" smtClean="0"/>
+              <a:t>list.add</a:t>
+            </a:r>
+            <a:r>
+              <a:rPr lang="en-US" sz="2800" dirty="0" smtClean="0"/>
+              <a:t>(16);  </a:t>
+            </a:r>
+            <a:r>
+              <a:rPr lang="en-US" sz="2800" dirty="0" smtClean="0">
+                <a:solidFill>
+                  <a:srgbClr val="92D050"/>
+                </a:solidFill>
+              </a:rPr>
+              <a:t>// </a:t>
+            </a:r>
+            <a:r>
+              <a:rPr lang="en-US" sz="2800" dirty="0">
+                <a:solidFill>
+                  <a:srgbClr val="92D050"/>
+                </a:solidFill>
+              </a:rPr>
+              <a:t>now size </a:t>
+            </a:r>
+            <a:r>
+              <a:rPr lang="en-US" sz="2800" dirty="0" smtClean="0">
+                <a:solidFill>
+                  <a:srgbClr val="92D050"/>
+                </a:solidFill>
+              </a:rPr>
+              <a:t>1</a:t>
+            </a:r>
+          </a:p>
+          <a:p>
+            <a:pPr marL="342900" indent="-342900"/>
+            <a:r>
+              <a:rPr lang="en-US" sz="2800" dirty="0" err="1" smtClean="0"/>
+              <a:t>list.add</a:t>
+            </a:r>
+            <a:r>
+              <a:rPr lang="en-US" sz="2800" dirty="0" smtClean="0"/>
+              <a:t>(42); </a:t>
+            </a:r>
+            <a:r>
+              <a:rPr lang="en-US" sz="2800" dirty="0">
+                <a:solidFill>
+                  <a:srgbClr val="92D050"/>
+                </a:solidFill>
+              </a:rPr>
+              <a:t>// now size </a:t>
+            </a:r>
+            <a:r>
+              <a:rPr lang="en-US" sz="2800" dirty="0" smtClean="0">
+                <a:solidFill>
+                  <a:srgbClr val="92D050"/>
+                </a:solidFill>
+              </a:rPr>
+              <a:t>2</a:t>
+            </a:r>
           </a:p>
         </p:txBody>
       </p:sp>
@@ -9022,16 +8804,6 @@
           </a:lstStyle>
           <a:p>
             <a:r>
-              <a:rPr lang="en-US" sz="4000" b="1" dirty="0" smtClean="0">
-                <a:solidFill>
-                  <a:schemeClr val="tx1"/>
-                </a:solidFill>
-                <a:latin typeface="Century Gothic"/>
-                <a:cs typeface="Century Gothic"/>
-              </a:rPr>
-              <a:t>What do you look like </a:t>
-            </a:r>
-            <a:r>
               <a:rPr lang="en-US" sz="4000" b="1" dirty="0" err="1" smtClean="0">
                 <a:solidFill>
                   <a:schemeClr val="tx1"/>
@@ -9040,16 +8812,6 @@
                 <a:cs typeface="Century Gothic"/>
               </a:rPr>
               <a:t>ArrayList</a:t>
-            </a:r>
-            <a:r>
-              <a:rPr lang="en-US" sz="4000" b="1" dirty="0" smtClean="0">
-                <a:solidFill>
-                  <a:schemeClr val="tx1"/>
-                </a:solidFill>
-                <a:latin typeface="Century Gothic"/>
-                <a:cs typeface="Century Gothic"/>
-              </a:rPr>
-              <a:t>?</a:t>
             </a:r>
             <a:endParaRPr lang="en-US" sz="4000" b="1" dirty="0">
               <a:solidFill>
@@ -9064,7 +8826,7 @@
     </p:spTree>
     <p:extLst>
       <p:ext uri="{BB962C8B-B14F-4D97-AF65-F5344CB8AC3E}">
-        <p14:creationId xmlns:p14="http://schemas.microsoft.com/office/powerpoint/2010/main" val="827030481"/>
+        <p14:creationId xmlns:p14="http://schemas.microsoft.com/office/powerpoint/2010/main" val="1398714464"/>
       </p:ext>
     </p:extLst>
   </p:cSld>
@@ -9120,14 +8882,14 @@
           </a:ln>
           <a:extLst>
             <a:ext uri="{909E8E84-426E-40dd-AFC4-6F175D3DCCD1}">
-              <a14:hiddenFill xmlns="" xmlns:a14="http://schemas.microsoft.com/office/drawing/2010/main">
+              <a14:hiddenFill xmlns:a14="http://schemas.microsoft.com/office/drawing/2010/main" xmlns="">
                 <a:solidFill>
                   <a:srgbClr val="FFFFFF"/>
                 </a:solidFill>
               </a14:hiddenFill>
             </a:ext>
             <a:ext uri="{91240B29-F687-4f45-9708-019B960494DF}">
-              <a14:hiddenLine xmlns="" xmlns:a14="http://schemas.microsoft.com/office/drawing/2010/main" w="9525">
+              <a14:hiddenLine xmlns:a14="http://schemas.microsoft.com/office/drawing/2010/main" xmlns="" w="9525">
                 <a:solidFill>
                   <a:srgbClr val="000000"/>
                 </a:solidFill>
@@ -9294,6 +9056,121 @@
               </a:rPr>
               <a:t>2</a:t>
             </a:r>
+          </a:p>
+          <a:p>
+            <a:pPr marL="342900" indent="-342900"/>
+            <a:endParaRPr lang="en-US" sz="2800" dirty="0"/>
+          </a:p>
+          <a:p>
+            <a:pPr marL="342900" indent="-342900"/>
+            <a:r>
+              <a:rPr lang="en-US" sz="2800" dirty="0" smtClean="0">
+                <a:solidFill>
+                  <a:srgbClr val="92D050"/>
+                </a:solidFill>
+              </a:rPr>
+              <a:t>// </a:t>
+            </a:r>
+            <a:r>
+              <a:rPr lang="en-US" sz="2800" dirty="0">
+                <a:solidFill>
+                  <a:srgbClr val="92D050"/>
+                </a:solidFill>
+              </a:rPr>
+              <a:t>Access elements by index (starting at </a:t>
+            </a:r>
+            <a:r>
+              <a:rPr lang="en-US" sz="2800" dirty="0" smtClean="0">
+                <a:solidFill>
+                  <a:srgbClr val="92D050"/>
+                </a:solidFill>
+              </a:rPr>
+              <a:t>0!)</a:t>
+            </a:r>
+          </a:p>
+          <a:p>
+            <a:pPr marL="342900" indent="-342900"/>
+            <a:r>
+              <a:rPr lang="en-US" sz="2800" dirty="0" err="1" smtClean="0"/>
+              <a:t>println</a:t>
+            </a:r>
+            <a:r>
+              <a:rPr lang="en-US" sz="2800" dirty="0" smtClean="0"/>
+              <a:t>(</a:t>
+            </a:r>
+            <a:r>
+              <a:rPr lang="en-US" sz="2800" dirty="0" err="1" smtClean="0"/>
+              <a:t>list.get</a:t>
+            </a:r>
+            <a:r>
+              <a:rPr lang="en-US" sz="2800" dirty="0" smtClean="0"/>
+              <a:t>(0</a:t>
+            </a:r>
+            <a:r>
+              <a:rPr lang="en-US" sz="2800" dirty="0"/>
+              <a:t>)); </a:t>
+            </a:r>
+            <a:r>
+              <a:rPr lang="en-US" sz="2800" dirty="0">
+                <a:solidFill>
+                  <a:srgbClr val="92D050"/>
+                </a:solidFill>
+              </a:rPr>
+              <a:t>// prints </a:t>
+            </a:r>
+            <a:r>
+              <a:rPr lang="en-US" sz="2800" dirty="0" smtClean="0">
+                <a:solidFill>
+                  <a:srgbClr val="92D050"/>
+                </a:solidFill>
+              </a:rPr>
+              <a:t>16</a:t>
+            </a:r>
+          </a:p>
+          <a:p>
+            <a:pPr marL="342900" indent="-342900"/>
+            <a:r>
+              <a:rPr lang="en-US" sz="2800" dirty="0" err="1" smtClean="0"/>
+              <a:t>println</a:t>
+            </a:r>
+            <a:r>
+              <a:rPr lang="en-US" sz="2800" dirty="0" smtClean="0"/>
+              <a:t>(</a:t>
+            </a:r>
+            <a:r>
+              <a:rPr lang="en-US" sz="2800" dirty="0" err="1" smtClean="0"/>
+              <a:t>list.get</a:t>
+            </a:r>
+            <a:r>
+              <a:rPr lang="en-US" sz="2800" dirty="0" smtClean="0"/>
+              <a:t>(1</a:t>
+            </a:r>
+            <a:r>
+              <a:rPr lang="en-US" sz="2800" dirty="0"/>
+              <a:t>)); </a:t>
+            </a:r>
+            <a:r>
+              <a:rPr lang="en-US" sz="2800" dirty="0">
+                <a:solidFill>
+                  <a:srgbClr val="92D050"/>
+                </a:solidFill>
+              </a:rPr>
+              <a:t>// prints </a:t>
+            </a:r>
+            <a:r>
+              <a:rPr lang="en-US" sz="2800" dirty="0" smtClean="0">
+                <a:solidFill>
+                  <a:srgbClr val="92D050"/>
+                </a:solidFill>
+              </a:rPr>
+              <a:t>42</a:t>
+            </a:r>
+            <a:endParaRPr lang="en-US" sz="2800" dirty="0">
+              <a:solidFill>
+                <a:srgbClr val="92D050"/>
+              </a:solidFill>
+              <a:latin typeface="Times New Roman" charset="0"/>
+            </a:endParaRPr>
           </a:p>
         </p:txBody>
       </p:sp>
@@ -9463,7 +9340,7 @@
     </p:spTree>
     <p:extLst>
       <p:ext uri="{BB962C8B-B14F-4D97-AF65-F5344CB8AC3E}">
-        <p14:creationId xmlns:p14="http://schemas.microsoft.com/office/powerpoint/2010/main" val="1398714464"/>
+        <p14:creationId xmlns:p14="http://schemas.microsoft.com/office/powerpoint/2010/main" val="155603302"/>
       </p:ext>
     </p:extLst>
   </p:cSld>
@@ -9519,14 +9396,14 @@
           </a:ln>
           <a:extLst>
             <a:ext uri="{909E8E84-426E-40dd-AFC4-6F175D3DCCD1}">
-              <a14:hiddenFill xmlns="" xmlns:a14="http://schemas.microsoft.com/office/drawing/2010/main">
+              <a14:hiddenFill xmlns:a14="http://schemas.microsoft.com/office/drawing/2010/main" xmlns="">
                 <a:solidFill>
                   <a:srgbClr val="FFFFFF"/>
                 </a:solidFill>
               </a14:hiddenFill>
             </a:ext>
             <a:ext uri="{91240B29-F687-4f45-9708-019B960494DF}">
-              <a14:hiddenLine xmlns="" xmlns:a14="http://schemas.microsoft.com/office/drawing/2010/main" w="9525">
+              <a14:hiddenLine xmlns:a14="http://schemas.microsoft.com/office/drawing/2010/main" xmlns="" w="9525">
                 <a:solidFill>
                   <a:srgbClr val="000000"/>
                 </a:solidFill>
@@ -9543,47 +9420,31 @@
           <a:p>
             <a:pPr marL="342900" indent="-342900"/>
             <a:r>
-              <a:rPr lang="en-US" sz="2800" dirty="0">
-                <a:solidFill>
-                  <a:srgbClr val="92D050"/>
+              <a:rPr lang="en-US" sz="2800" dirty="0"/>
+              <a:t>// Access elements by index (starting at 0</a:t>
+            </a:r>
+            <a:r>
+              <a:rPr lang="en-US" sz="2800" dirty="0" smtClean="0"/>
+              <a:t>!)</a:t>
+            </a:r>
+          </a:p>
+          <a:p>
+            <a:pPr marL="342900" indent="-342900"/>
+            <a:r>
+              <a:rPr lang="en-US" sz="2800" dirty="0" smtClean="0"/>
+              <a:t>for </a:t>
+            </a:r>
+            <a:r>
+              <a:rPr lang="en-US" sz="2800" dirty="0"/>
+              <a:t>(</a:t>
+            </a:r>
+            <a:r>
+              <a:rPr lang="en-US" sz="2800" dirty="0" err="1">
+                <a:solidFill>
+                  <a:srgbClr val="7030A0"/>
                 </a:solidFill>
               </a:rPr>
-              <a:t>// Create an (initially empty) </a:t>
-            </a:r>
-            <a:r>
-              <a:rPr lang="en-US" sz="2800" dirty="0" smtClean="0">
-                <a:solidFill>
-                  <a:srgbClr val="92D050"/>
-                </a:solidFill>
-              </a:rPr>
-              <a:t>list</a:t>
-            </a:r>
-          </a:p>
-          <a:p>
-            <a:pPr marL="342900" indent="-342900"/>
-            <a:r>
-              <a:rPr lang="en-US" sz="2800" dirty="0" err="1"/>
-              <a:t>ArrayList</a:t>
-            </a:r>
-            <a:r>
-              <a:rPr lang="en-US" sz="2800" dirty="0"/>
-              <a:t> &lt;Integer&gt; l</a:t>
-            </a:r>
-            <a:r>
-              <a:rPr lang="en-US" sz="2800" dirty="0" smtClean="0"/>
-              <a:t>ist </a:t>
-            </a:r>
-            <a:r>
-              <a:rPr lang="en-US" sz="2800" dirty="0"/>
-              <a:t>= </a:t>
-            </a:r>
-            <a:r>
-              <a:rPr lang="en-US" sz="2800" dirty="0">
-                <a:solidFill>
-                  <a:srgbClr val="7030A0"/>
-                </a:solidFill>
-              </a:rPr>
-              <a:t>new</a:t>
+              <a:t>int</a:t>
             </a:r>
             <a:r>
               <a:rPr lang="en-US" sz="2800" dirty="0"/>
@@ -9591,142 +9452,51 @@
             </a:r>
             <a:r>
               <a:rPr lang="en-US" sz="2800" dirty="0" err="1"/>
-              <a:t>ArrayList</a:t>
+              <a:t>i</a:t>
             </a:r>
             <a:r>
               <a:rPr lang="en-US" sz="2800" dirty="0"/>
-              <a:t>&lt;Integer</a:t>
+              <a:t> = 0; </a:t>
+            </a:r>
+            <a:r>
+              <a:rPr lang="en-US" sz="2800" dirty="0" err="1"/>
+              <a:t>i</a:t>
+            </a:r>
+            <a:r>
+              <a:rPr lang="en-US" sz="2800" dirty="0"/>
+              <a:t> &lt; </a:t>
+            </a:r>
+            <a:r>
+              <a:rPr lang="en-US" sz="2800" dirty="0" err="1"/>
+              <a:t>list.size</a:t>
+            </a:r>
+            <a:r>
+              <a:rPr lang="en-US" sz="2800" dirty="0"/>
+              <a:t>(); </a:t>
+            </a:r>
+            <a:r>
+              <a:rPr lang="en-US" sz="2800" dirty="0" err="1"/>
+              <a:t>i</a:t>
+            </a:r>
+            <a:r>
+              <a:rPr lang="en-US" sz="2800" dirty="0"/>
+              <a:t>++) </a:t>
             </a:r>
             <a:r>
               <a:rPr lang="en-US" sz="2800" dirty="0" smtClean="0"/>
-              <a:t>&gt;();</a:t>
+              <a:t>{</a:t>
             </a:r>
           </a:p>
           <a:p>
             <a:pPr marL="342900" indent="-342900"/>
-            <a:endParaRPr lang="en-US" sz="2800" dirty="0">
-              <a:latin typeface="Times New Roman" charset="0"/>
-            </a:endParaRPr>
-          </a:p>
-          <a:p>
-            <a:pPr marL="342900" indent="-342900"/>
-            <a:r>
-              <a:rPr lang="en-US" sz="2800" dirty="0" smtClean="0">
-                <a:solidFill>
-                  <a:srgbClr val="92D050"/>
-                </a:solidFill>
-              </a:rPr>
-              <a:t>// </a:t>
-            </a:r>
-            <a:r>
-              <a:rPr lang="en-US" sz="2800" dirty="0">
-                <a:solidFill>
-                  <a:srgbClr val="92D050"/>
-                </a:solidFill>
-              </a:rPr>
-              <a:t>Add an element to the back </a:t>
-            </a:r>
-            <a:endParaRPr lang="en-US" sz="2800" dirty="0" smtClean="0">
-              <a:solidFill>
-                <a:srgbClr val="92D050"/>
-              </a:solidFill>
-            </a:endParaRPr>
-          </a:p>
-          <a:p>
-            <a:pPr marL="342900" indent="-342900"/>
-            <a:r>
-              <a:rPr lang="en-US" sz="2800" dirty="0" err="1" smtClean="0"/>
-              <a:t>list.add</a:t>
+            <a:r>
+              <a:rPr lang="en-US" sz="2800" dirty="0"/>
+              <a:t> </a:t>
             </a:r>
             <a:r>
               <a:rPr lang="en-US" sz="2800" dirty="0" smtClean="0"/>
-              <a:t>(16);  </a:t>
-            </a:r>
-            <a:r>
-              <a:rPr lang="en-US" sz="2800" dirty="0" smtClean="0">
-                <a:solidFill>
-                  <a:srgbClr val="92D050"/>
-                </a:solidFill>
-              </a:rPr>
-              <a:t>// </a:t>
-            </a:r>
-            <a:r>
-              <a:rPr lang="en-US" sz="2800" dirty="0">
-                <a:solidFill>
-                  <a:srgbClr val="92D050"/>
-                </a:solidFill>
-              </a:rPr>
-              <a:t>now size </a:t>
-            </a:r>
-            <a:r>
-              <a:rPr lang="en-US" sz="2800" dirty="0" smtClean="0">
-                <a:solidFill>
-                  <a:srgbClr val="92D050"/>
-                </a:solidFill>
-              </a:rPr>
-              <a:t>1</a:t>
-            </a:r>
-          </a:p>
-          <a:p>
-            <a:pPr marL="342900" indent="-342900"/>
-            <a:r>
-              <a:rPr lang="en-US" sz="2800" dirty="0" err="1" smtClean="0"/>
-              <a:t>list.add</a:t>
-            </a:r>
-            <a:r>
-              <a:rPr lang="en-US" sz="2800" dirty="0" smtClean="0"/>
-              <a:t>(42); </a:t>
-            </a:r>
-            <a:r>
-              <a:rPr lang="en-US" sz="2800" dirty="0">
-                <a:solidFill>
-                  <a:srgbClr val="92D050"/>
-                </a:solidFill>
-              </a:rPr>
-              <a:t>// now size </a:t>
-            </a:r>
-            <a:r>
-              <a:rPr lang="en-US" sz="2800" dirty="0" smtClean="0">
-                <a:solidFill>
-                  <a:srgbClr val="92D050"/>
-                </a:solidFill>
-              </a:rPr>
-              <a:t>2</a:t>
-            </a:r>
-          </a:p>
-          <a:p>
-            <a:pPr marL="342900" indent="-342900"/>
-            <a:endParaRPr lang="en-US" sz="2800" dirty="0"/>
-          </a:p>
-          <a:p>
-            <a:pPr marL="342900" indent="-342900"/>
-            <a:r>
-              <a:rPr lang="en-US" sz="2800" dirty="0" smtClean="0">
-                <a:solidFill>
-                  <a:srgbClr val="92D050"/>
-                </a:solidFill>
-              </a:rPr>
-              <a:t>// </a:t>
-            </a:r>
-            <a:r>
-              <a:rPr lang="en-US" sz="2800" dirty="0">
-                <a:solidFill>
-                  <a:srgbClr val="92D050"/>
-                </a:solidFill>
-              </a:rPr>
-              <a:t>Access elements by index (starting at </a:t>
-            </a:r>
-            <a:r>
-              <a:rPr lang="en-US" sz="2800" dirty="0" smtClean="0">
-                <a:solidFill>
-                  <a:srgbClr val="92D050"/>
-                </a:solidFill>
-              </a:rPr>
-              <a:t>0!)</a:t>
-            </a:r>
-          </a:p>
-          <a:p>
-            <a:pPr marL="342900" indent="-342900"/>
+              <a:t>   </a:t>
+            </a:r>
             <a:r>
               <a:rPr lang="en-US" sz="2800" dirty="0" err="1" smtClean="0"/>
               <a:t>println</a:t>
@@ -9741,66 +9511,22 @@
             </a:r>
             <a:r>
               <a:rPr lang="en-US" sz="2800" dirty="0" smtClean="0"/>
-              <a:t>(0</a:t>
-            </a:r>
-            <a:r>
-              <a:rPr lang="en-US" sz="2800" dirty="0"/>
-              <a:t>)); </a:t>
-            </a:r>
-            <a:r>
-              <a:rPr lang="en-US" sz="2800" dirty="0">
-                <a:solidFill>
-                  <a:srgbClr val="92D050"/>
-                </a:solidFill>
-              </a:rPr>
-              <a:t>// prints </a:t>
-            </a:r>
-            <a:r>
-              <a:rPr lang="en-US" sz="2800" dirty="0" smtClean="0">
-                <a:solidFill>
-                  <a:srgbClr val="92D050"/>
-                </a:solidFill>
-              </a:rPr>
-              <a:t>16</a:t>
+              <a:t>(</a:t>
+            </a:r>
+            <a:r>
+              <a:rPr lang="en-US" sz="2800" dirty="0" err="1" smtClean="0"/>
+              <a:t>i</a:t>
+            </a:r>
+            <a:r>
+              <a:rPr lang="en-US" sz="2800" dirty="0" smtClean="0"/>
+              <a:t>));</a:t>
             </a:r>
           </a:p>
           <a:p>
             <a:pPr marL="342900" indent="-342900"/>
             <a:r>
-              <a:rPr lang="en-US" sz="2800" dirty="0" err="1" smtClean="0"/>
-              <a:t>println</a:t>
-            </a:r>
-            <a:r>
               <a:rPr lang="en-US" sz="2800" dirty="0" smtClean="0"/>
-              <a:t>(</a:t>
-            </a:r>
-            <a:r>
-              <a:rPr lang="en-US" sz="2800" dirty="0" err="1" smtClean="0"/>
-              <a:t>list.get</a:t>
-            </a:r>
-            <a:r>
-              <a:rPr lang="en-US" sz="2800" dirty="0" smtClean="0"/>
-              <a:t>(1</a:t>
-            </a:r>
-            <a:r>
-              <a:rPr lang="en-US" sz="2800" dirty="0"/>
-              <a:t>)); </a:t>
-            </a:r>
-            <a:r>
-              <a:rPr lang="en-US" sz="2800" dirty="0">
-                <a:solidFill>
-                  <a:srgbClr val="92D050"/>
-                </a:solidFill>
-              </a:rPr>
-              <a:t>// prints </a:t>
-            </a:r>
-            <a:r>
-              <a:rPr lang="en-US" sz="2800" dirty="0" smtClean="0">
-                <a:solidFill>
-                  <a:srgbClr val="92D050"/>
-                </a:solidFill>
-              </a:rPr>
-              <a:t>42</a:t>
+              <a:t>}</a:t>
             </a:r>
             <a:endParaRPr lang="en-US" sz="2800" dirty="0">
               <a:solidFill>
@@ -9977,7 +9703,7 @@
     </p:spTree>
     <p:extLst>
       <p:ext uri="{BB962C8B-B14F-4D97-AF65-F5344CB8AC3E}">
-        <p14:creationId xmlns:p14="http://schemas.microsoft.com/office/powerpoint/2010/main" val="155603302"/>
+        <p14:creationId xmlns:p14="http://schemas.microsoft.com/office/powerpoint/2010/main" val="225521126"/>
       </p:ext>
     </p:extLst>
   </p:cSld>
@@ -10011,169 +9737,6 @@
           <a:chExt cx="0" cy="0"/>
         </a:xfrm>
       </p:grpSpPr>
-      <p:sp>
-        <p:nvSpPr>
-          <p:cNvPr id="4101" name="Rectangle 18"/>
-          <p:cNvSpPr>
-            <a:spLocks noChangeArrowheads="1"/>
-          </p:cNvSpPr>
-          <p:nvPr/>
-        </p:nvSpPr>
-        <p:spPr bwMode="auto">
-          <a:xfrm>
-            <a:off x="152400" y="1155700"/>
-            <a:ext cx="8851900" cy="5461000"/>
-          </a:xfrm>
-          <a:prstGeom prst="rect">
-            <a:avLst/>
-          </a:prstGeom>
-          <a:noFill/>
-          <a:ln>
-            <a:noFill/>
-          </a:ln>
-          <a:extLst>
-            <a:ext uri="{909E8E84-426E-40dd-AFC4-6F175D3DCCD1}">
-              <a14:hiddenFill xmlns="" xmlns:a14="http://schemas.microsoft.com/office/drawing/2010/main">
-                <a:solidFill>
-                  <a:srgbClr val="FFFFFF"/>
-                </a:solidFill>
-              </a14:hiddenFill>
-            </a:ext>
-            <a:ext uri="{91240B29-F687-4f45-9708-019B960494DF}">
-              <a14:hiddenLine xmlns="" xmlns:a14="http://schemas.microsoft.com/office/drawing/2010/main" w="9525">
-                <a:solidFill>
-                  <a:srgbClr val="000000"/>
-                </a:solidFill>
-                <a:miter lim="800000"/>
-                <a:headEnd/>
-                <a:tailEnd/>
-              </a14:hiddenLine>
-            </a:ext>
-          </a:extLst>
-        </p:spPr>
-        <p:txBody>
-          <a:bodyPr/>
-          <a:lstStyle/>
-          <a:p>
-            <a:pPr marL="342900" indent="-342900"/>
-            <a:r>
-              <a:rPr lang="en-US" sz="2800" dirty="0"/>
-              <a:t>// Access elements by index (starting at 0</a:t>
-            </a:r>
-            <a:r>
-              <a:rPr lang="en-US" sz="2800" dirty="0" smtClean="0"/>
-              <a:t>!)</a:t>
-            </a:r>
-          </a:p>
-          <a:p>
-            <a:pPr marL="342900" indent="-342900"/>
-            <a:r>
-              <a:rPr lang="en-US" sz="2800" dirty="0" smtClean="0"/>
-              <a:t>for </a:t>
-            </a:r>
-            <a:r>
-              <a:rPr lang="en-US" sz="2800" dirty="0"/>
-              <a:t>(</a:t>
-            </a:r>
-            <a:r>
-              <a:rPr lang="en-US" sz="2800" dirty="0" err="1">
-                <a:solidFill>
-                  <a:srgbClr val="7030A0"/>
-                </a:solidFill>
-              </a:rPr>
-              <a:t>int</a:t>
-            </a:r>
-            <a:r>
-              <a:rPr lang="en-US" sz="2800" dirty="0"/>
-              <a:t> </a:t>
-            </a:r>
-            <a:r>
-              <a:rPr lang="en-US" sz="2800" dirty="0" err="1"/>
-              <a:t>i</a:t>
-            </a:r>
-            <a:r>
-              <a:rPr lang="en-US" sz="2800" dirty="0"/>
-              <a:t> = 0; </a:t>
-            </a:r>
-            <a:r>
-              <a:rPr lang="en-US" sz="2800" dirty="0" err="1"/>
-              <a:t>i</a:t>
-            </a:r>
-            <a:r>
-              <a:rPr lang="en-US" sz="2800" dirty="0"/>
-              <a:t> &lt; </a:t>
-            </a:r>
-            <a:r>
-              <a:rPr lang="en-US" sz="2800" dirty="0" err="1"/>
-              <a:t>list.size</a:t>
-            </a:r>
-            <a:r>
-              <a:rPr lang="en-US" sz="2800" dirty="0"/>
-              <a:t>(); </a:t>
-            </a:r>
-            <a:r>
-              <a:rPr lang="en-US" sz="2800" dirty="0" err="1"/>
-              <a:t>i</a:t>
-            </a:r>
-            <a:r>
-              <a:rPr lang="en-US" sz="2800" dirty="0"/>
-              <a:t>++) </a:t>
-            </a:r>
-            <a:r>
-              <a:rPr lang="en-US" sz="2800" dirty="0" smtClean="0"/>
-              <a:t>{</a:t>
-            </a:r>
-          </a:p>
-          <a:p>
-            <a:pPr marL="342900" indent="-342900"/>
-            <a:r>
-              <a:rPr lang="en-US" sz="2800" dirty="0"/>
-              <a:t> </a:t>
-            </a:r>
-            <a:r>
-              <a:rPr lang="en-US" sz="2800" dirty="0" smtClean="0"/>
-              <a:t>   </a:t>
-            </a:r>
-            <a:r>
-              <a:rPr lang="en-US" sz="2800" dirty="0" err="1" smtClean="0"/>
-              <a:t>println</a:t>
-            </a:r>
-            <a:r>
-              <a:rPr lang="en-US" sz="2800" dirty="0" smtClean="0"/>
-              <a:t>(</a:t>
-            </a:r>
-            <a:r>
-              <a:rPr lang="en-US" sz="2800" dirty="0" err="1" smtClean="0"/>
-              <a:t>list.get</a:t>
-            </a:r>
-            <a:r>
-              <a:rPr lang="en-US" sz="2800" dirty="0" smtClean="0"/>
-              <a:t>(</a:t>
-            </a:r>
-            <a:r>
-              <a:rPr lang="en-US" sz="2800" dirty="0" err="1" smtClean="0"/>
-              <a:t>i</a:t>
-            </a:r>
-            <a:r>
-              <a:rPr lang="en-US" sz="2800" dirty="0" smtClean="0"/>
-              <a:t>));</a:t>
-            </a:r>
-          </a:p>
-          <a:p>
-            <a:pPr marL="342900" indent="-342900"/>
-            <a:r>
-              <a:rPr lang="en-US" sz="2800" dirty="0" smtClean="0"/>
-              <a:t>}</a:t>
-            </a:r>
-            <a:endParaRPr lang="en-US" sz="2800" dirty="0">
-              <a:solidFill>
-                <a:srgbClr val="92D050"/>
-              </a:solidFill>
-              <a:latin typeface="Times New Roman" charset="0"/>
-            </a:endParaRPr>
-          </a:p>
-        </p:txBody>
-      </p:sp>
       <p:sp>
         <p:nvSpPr>
           <p:cNvPr id="18" name="Rectangle 2"/>
@@ -10327,6 +9890,16 @@
               </a:rPr>
               <a:t>ArrayList</a:t>
             </a:r>
+            <a:r>
+              <a:rPr lang="en-US" sz="4000" b="1" dirty="0" smtClean="0">
+                <a:solidFill>
+                  <a:schemeClr val="tx1"/>
+                </a:solidFill>
+                <a:latin typeface="Century Gothic"/>
+                <a:cs typeface="Century Gothic"/>
+              </a:rPr>
+              <a:t> Methods</a:t>
+            </a:r>
             <a:endParaRPr lang="en-US" sz="4000" b="1" dirty="0">
               <a:solidFill>
                 <a:schemeClr val="tx1"/>
@@ -10337,10 +9910,40 @@
           </a:p>
         </p:txBody>
       </p:sp>
+      <p:pic>
+        <p:nvPicPr>
+          <p:cNvPr id="2" name="Picture 1"/>
+          <p:cNvPicPr>
+            <a:picLocks noChangeAspect="1"/>
+          </p:cNvPicPr>
+          <p:nvPr/>
+        </p:nvPicPr>
+        <p:blipFill>
+          <a:blip r:embed="rId3">
+            <a:extLst>
+              <a:ext uri="{28A0092B-C50C-407E-A947-70E740481C1C}">
+                <a14:useLocalDpi xmlns:a14="http://schemas.microsoft.com/office/drawing/2010/main" val="0"/>
+              </a:ext>
+            </a:extLst>
+          </a:blip>
+          <a:stretch>
+            <a:fillRect/>
+          </a:stretch>
+        </p:blipFill>
+        <p:spPr>
+          <a:xfrm>
+            <a:off x="0" y="736600"/>
+            <a:ext cx="9144000" cy="5383315"/>
+          </a:xfrm>
+          <a:prstGeom prst="rect">
+            <a:avLst/>
+          </a:prstGeom>
+        </p:spPr>
+      </p:pic>
     </p:spTree>
     <p:extLst>
       <p:ext uri="{BB962C8B-B14F-4D97-AF65-F5344CB8AC3E}">
-        <p14:creationId xmlns:p14="http://schemas.microsoft.com/office/powerpoint/2010/main" val="225521126"/>
+        <p14:creationId xmlns:p14="http://schemas.microsoft.com/office/powerpoint/2010/main" val="766171216"/>
       </p:ext>
     </p:extLst>
   </p:cSld>
